--- a/Ludo presentation_ru.pptx
+++ b/Ludo presentation_ru.pptx
@@ -3442,11 +3442,15 @@
               <a:t>файлах</a:t>
             </a:r>
             <a:r>
-              <a:rPr lang="en-US" dirty="0" smtClean="0"/>
-              <a:t>: board render </a:t>
-            </a:r>
-            <a:r>
-              <a:rPr lang="ru-RU" dirty="0" smtClean="0"/>
+              <a:rPr lang="en-US" smtClean="0"/>
+              <a:t>: </a:t>
+            </a:r>
+            <a:r>
+              <a:rPr lang="en-US" smtClean="0"/>
+              <a:t>game </a:t>
+            </a:r>
+            <a:r>
+              <a:rPr lang="ru-RU" smtClean="0"/>
               <a:t>и </a:t>
             </a:r>
             <a:r>
@@ -3475,7 +3479,7 @@
           <a:p>
             <a:r>
               <a:rPr lang="en-US" dirty="0" smtClean="0"/>
-              <a:t>Board render </a:t>
+              <a:t>Game </a:t>
             </a:r>
             <a:r>
               <a:rPr lang="ru-RU" dirty="0" err="1" smtClean="0"/>
@@ -3483,7 +3487,11 @@
             </a:r>
             <a:r>
               <a:rPr lang="ru-RU" dirty="0" smtClean="0"/>
-              <a:t> игру и отвечает за бросок кубика и действия с доской.</a:t>
+              <a:t> </a:t>
+            </a:r>
+            <a:r>
+              <a:rPr lang="ru-RU" dirty="0" smtClean="0"/>
+              <a:t>игру и отвечает за бросок кубика и действия с доской.</a:t>
             </a:r>
             <a:endParaRPr lang="en-US" dirty="0" smtClean="0"/>
           </a:p>
@@ -3496,7 +3504,7 @@
               <a:t>Правила игры находятся в </a:t>
             </a:r>
             <a:r>
-              <a:rPr lang="en-US" smtClean="0"/>
+              <a:rPr lang="en-US" dirty="0" smtClean="0"/>
               <a:t>rules_ru.txt</a:t>
             </a:r>
             <a:endParaRPr lang="ru-RU" dirty="0" smtClean="0"/>
@@ -3580,11 +3588,7 @@
           <a:p>
             <a:r>
               <a:rPr lang="ru-RU" dirty="0" smtClean="0"/>
-              <a:t>Работа </a:t>
-            </a:r>
-            <a:r>
-              <a:rPr lang="ru-RU" dirty="0" smtClean="0"/>
-              <a:t>игры</a:t>
+              <a:t>Работа игры</a:t>
             </a:r>
             <a:r>
               <a:rPr lang="en-US" dirty="0" smtClean="0"/>
